--- a/trunk/Version8/Distrib/Examples/InverterModels/PVSystem2/NewFeatures/ConstantPF/ConstantPF.pptx
+++ b/trunk/Version8/Distrib/Examples/InverterModels/PVSystem2/NewFeatures/ConstantPF/ConstantPF.pptx
@@ -265,7 +265,7 @@
           <a:p>
             <a:fld id="{367692C9-83A8-4D68-9EFC-A7C1E01B131E}" type="datetimeFigureOut">
               <a:rPr lang="en-US" smtClean="0"/>
-              <a:t>9/3/2019</a:t>
+              <a:t>10/29/2019</a:t>
             </a:fld>
             <a:endParaRPr lang="en-US"/>
           </a:p>
@@ -465,7 +465,7 @@
           <a:p>
             <a:fld id="{367692C9-83A8-4D68-9EFC-A7C1E01B131E}" type="datetimeFigureOut">
               <a:rPr lang="en-US" smtClean="0"/>
-              <a:t>9/3/2019</a:t>
+              <a:t>10/29/2019</a:t>
             </a:fld>
             <a:endParaRPr lang="en-US"/>
           </a:p>
@@ -675,7 +675,7 @@
           <a:p>
             <a:fld id="{367692C9-83A8-4D68-9EFC-A7C1E01B131E}" type="datetimeFigureOut">
               <a:rPr lang="en-US" smtClean="0"/>
-              <a:t>9/3/2019</a:t>
+              <a:t>10/29/2019</a:t>
             </a:fld>
             <a:endParaRPr lang="en-US"/>
           </a:p>
@@ -875,7 +875,7 @@
           <a:p>
             <a:fld id="{367692C9-83A8-4D68-9EFC-A7C1E01B131E}" type="datetimeFigureOut">
               <a:rPr lang="en-US" smtClean="0"/>
-              <a:t>9/3/2019</a:t>
+              <a:t>10/29/2019</a:t>
             </a:fld>
             <a:endParaRPr lang="en-US"/>
           </a:p>
@@ -1151,7 +1151,7 @@
           <a:p>
             <a:fld id="{367692C9-83A8-4D68-9EFC-A7C1E01B131E}" type="datetimeFigureOut">
               <a:rPr lang="en-US" smtClean="0"/>
-              <a:t>9/3/2019</a:t>
+              <a:t>10/29/2019</a:t>
             </a:fld>
             <a:endParaRPr lang="en-US"/>
           </a:p>
@@ -1419,7 +1419,7 @@
           <a:p>
             <a:fld id="{367692C9-83A8-4D68-9EFC-A7C1E01B131E}" type="datetimeFigureOut">
               <a:rPr lang="en-US" smtClean="0"/>
-              <a:t>9/3/2019</a:t>
+              <a:t>10/29/2019</a:t>
             </a:fld>
             <a:endParaRPr lang="en-US"/>
           </a:p>
@@ -1834,7 +1834,7 @@
           <a:p>
             <a:fld id="{367692C9-83A8-4D68-9EFC-A7C1E01B131E}" type="datetimeFigureOut">
               <a:rPr lang="en-US" smtClean="0"/>
-              <a:t>9/3/2019</a:t>
+              <a:t>10/29/2019</a:t>
             </a:fld>
             <a:endParaRPr lang="en-US"/>
           </a:p>
@@ -1976,7 +1976,7 @@
           <a:p>
             <a:fld id="{367692C9-83A8-4D68-9EFC-A7C1E01B131E}" type="datetimeFigureOut">
               <a:rPr lang="en-US" smtClean="0"/>
-              <a:t>9/3/2019</a:t>
+              <a:t>10/29/2019</a:t>
             </a:fld>
             <a:endParaRPr lang="en-US"/>
           </a:p>
@@ -2089,7 +2089,7 @@
           <a:p>
             <a:fld id="{367692C9-83A8-4D68-9EFC-A7C1E01B131E}" type="datetimeFigureOut">
               <a:rPr lang="en-US" smtClean="0"/>
-              <a:t>9/3/2019</a:t>
+              <a:t>10/29/2019</a:t>
             </a:fld>
             <a:endParaRPr lang="en-US"/>
           </a:p>
@@ -2402,7 +2402,7 @@
           <a:p>
             <a:fld id="{367692C9-83A8-4D68-9EFC-A7C1E01B131E}" type="datetimeFigureOut">
               <a:rPr lang="en-US" smtClean="0"/>
-              <a:t>9/3/2019</a:t>
+              <a:t>10/29/2019</a:t>
             </a:fld>
             <a:endParaRPr lang="en-US"/>
           </a:p>
@@ -2691,7 +2691,7 @@
           <a:p>
             <a:fld id="{367692C9-83A8-4D68-9EFC-A7C1E01B131E}" type="datetimeFigureOut">
               <a:rPr lang="en-US" smtClean="0"/>
-              <a:t>9/3/2019</a:t>
+              <a:t>10/29/2019</a:t>
             </a:fld>
             <a:endParaRPr lang="en-US"/>
           </a:p>
@@ -2934,7 +2934,7 @@
           <a:p>
             <a:fld id="{367692C9-83A8-4D68-9EFC-A7C1E01B131E}" type="datetimeFigureOut">
               <a:rPr lang="en-US" smtClean="0"/>
-              <a:t>9/3/2019</a:t>
+              <a:t>10/29/2019</a:t>
             </a:fld>
             <a:endParaRPr lang="en-US"/>
           </a:p>
@@ -3689,10 +3689,10 @@
       </p:sp>
       <p:pic>
         <p:nvPicPr>
-          <p:cNvPr id="5" name="Picture 4">
-            <a:extLst>
-              <a:ext uri="{FF2B5EF4-FFF2-40B4-BE49-F238E27FC236}">
-                <a16:creationId xmlns:a16="http://schemas.microsoft.com/office/drawing/2014/main" id="{CF641339-B2A3-4F95-B7BD-FE84F552E975}"/>
+          <p:cNvPr id="6" name="Picture 5">
+            <a:extLst>
+              <a:ext uri="{FF2B5EF4-FFF2-40B4-BE49-F238E27FC236}">
+                <a16:creationId xmlns:a16="http://schemas.microsoft.com/office/drawing/2014/main" id="{B32AD3D3-C268-49AE-91B2-D786480E6E4D}"/>
               </a:ext>
             </a:extLst>
           </p:cNvPr>
@@ -3709,8 +3709,8 @@
         </p:blipFill>
         <p:spPr>
           <a:xfrm>
-            <a:off x="142613" y="1514315"/>
-            <a:ext cx="5858791" cy="2827843"/>
+            <a:off x="6333468" y="1514315"/>
+            <a:ext cx="5510256" cy="2023874"/>
           </a:xfrm>
           <a:prstGeom prst="rect">
             <a:avLst/>
@@ -3729,10 +3729,10 @@
       </p:pic>
       <p:pic>
         <p:nvPicPr>
-          <p:cNvPr id="6" name="Picture 5">
-            <a:extLst>
-              <a:ext uri="{FF2B5EF4-FFF2-40B4-BE49-F238E27FC236}">
-                <a16:creationId xmlns:a16="http://schemas.microsoft.com/office/drawing/2014/main" id="{B32AD3D3-C268-49AE-91B2-D786480E6E4D}"/>
+          <p:cNvPr id="2" name="Picture 1">
+            <a:extLst>
+              <a:ext uri="{FF2B5EF4-FFF2-40B4-BE49-F238E27FC236}">
+                <a16:creationId xmlns:a16="http://schemas.microsoft.com/office/drawing/2014/main" id="{34BE44D0-47C4-4EB0-B1CE-9CAF553D084C}"/>
               </a:ext>
             </a:extLst>
           </p:cNvPr>
@@ -3749,8 +3749,8 @@
         </p:blipFill>
         <p:spPr>
           <a:xfrm>
-            <a:off x="6333468" y="1514315"/>
-            <a:ext cx="5510256" cy="2023874"/>
+            <a:off x="0" y="2060824"/>
+            <a:ext cx="6096000" cy="2857241"/>
           </a:xfrm>
           <a:prstGeom prst="rect">
             <a:avLst/>
@@ -4097,10 +4097,10 @@
       </p:sp>
       <p:pic>
         <p:nvPicPr>
-          <p:cNvPr id="3" name="Picture 2">
-            <a:extLst>
-              <a:ext uri="{FF2B5EF4-FFF2-40B4-BE49-F238E27FC236}">
-                <a16:creationId xmlns:a16="http://schemas.microsoft.com/office/drawing/2014/main" id="{299A823F-D995-48B0-BF09-088DC11C89CF}"/>
+          <p:cNvPr id="10" name="Picture 9">
+            <a:extLst>
+              <a:ext uri="{FF2B5EF4-FFF2-40B4-BE49-F238E27FC236}">
+                <a16:creationId xmlns:a16="http://schemas.microsoft.com/office/drawing/2014/main" id="{CACB9B8B-8AAE-431C-B3C0-00A20253B3B8}"/>
               </a:ext>
             </a:extLst>
           </p:cNvPr>
@@ -4117,8 +4117,8 @@
         </p:blipFill>
         <p:spPr>
           <a:xfrm>
-            <a:off x="29362" y="1889347"/>
-            <a:ext cx="6096001" cy="2855452"/>
+            <a:off x="6380221" y="1721970"/>
+            <a:ext cx="5355978" cy="1936665"/>
           </a:xfrm>
           <a:prstGeom prst="rect">
             <a:avLst/>
@@ -4137,10 +4137,10 @@
       </p:pic>
       <p:pic>
         <p:nvPicPr>
-          <p:cNvPr id="10" name="Picture 9">
-            <a:extLst>
-              <a:ext uri="{FF2B5EF4-FFF2-40B4-BE49-F238E27FC236}">
-                <a16:creationId xmlns:a16="http://schemas.microsoft.com/office/drawing/2014/main" id="{CACB9B8B-8AAE-431C-B3C0-00A20253B3B8}"/>
+          <p:cNvPr id="6" name="Picture 5">
+            <a:extLst>
+              <a:ext uri="{FF2B5EF4-FFF2-40B4-BE49-F238E27FC236}">
+                <a16:creationId xmlns:a16="http://schemas.microsoft.com/office/drawing/2014/main" id="{E1B02542-ADE4-491C-B036-BD744CB1C751}"/>
               </a:ext>
             </a:extLst>
           </p:cNvPr>
@@ -4157,8 +4157,8 @@
         </p:blipFill>
         <p:spPr>
           <a:xfrm>
-            <a:off x="6380221" y="1721970"/>
-            <a:ext cx="5355978" cy="1936665"/>
+            <a:off x="92476" y="1993917"/>
+            <a:ext cx="6096001" cy="2870166"/>
           </a:xfrm>
           <a:prstGeom prst="rect">
             <a:avLst/>
@@ -4282,7 +4282,7 @@
             </a:r>
             <a:r>
               <a:rPr lang="en-US" sz="1400" b="1" dirty="0" err="1"/>
-              <a:t>varlimit</a:t>
+              <a:t>varmax</a:t>
             </a:r>
             <a:r>
               <a:rPr lang="en-US" sz="1400" b="1" dirty="0"/>
@@ -4525,10 +4525,10 @@
       </p:sp>
       <p:pic>
         <p:nvPicPr>
-          <p:cNvPr id="6" name="Picture 5">
-            <a:extLst>
-              <a:ext uri="{FF2B5EF4-FFF2-40B4-BE49-F238E27FC236}">
-                <a16:creationId xmlns:a16="http://schemas.microsoft.com/office/drawing/2014/main" id="{FADC18F4-CB05-4076-8506-6ABA638D51D0}"/>
+          <p:cNvPr id="10" name="Picture 9">
+            <a:extLst>
+              <a:ext uri="{FF2B5EF4-FFF2-40B4-BE49-F238E27FC236}">
+                <a16:creationId xmlns:a16="http://schemas.microsoft.com/office/drawing/2014/main" id="{2F438CF8-AEAA-45AE-B8CA-D301597D7817}"/>
               </a:ext>
             </a:extLst>
           </p:cNvPr>
@@ -4545,8 +4545,8 @@
         </p:blipFill>
         <p:spPr>
           <a:xfrm>
-            <a:off x="0" y="1654334"/>
-            <a:ext cx="6283354" cy="3116443"/>
+            <a:off x="6508256" y="1654334"/>
+            <a:ext cx="5475870" cy="1993891"/>
           </a:xfrm>
           <a:prstGeom prst="rect">
             <a:avLst/>
@@ -4565,10 +4565,10 @@
       </p:pic>
       <p:pic>
         <p:nvPicPr>
-          <p:cNvPr id="10" name="Picture 9">
-            <a:extLst>
-              <a:ext uri="{FF2B5EF4-FFF2-40B4-BE49-F238E27FC236}">
-                <a16:creationId xmlns:a16="http://schemas.microsoft.com/office/drawing/2014/main" id="{2F438CF8-AEAA-45AE-B8CA-D301597D7817}"/>
+          <p:cNvPr id="3" name="Picture 2">
+            <a:extLst>
+              <a:ext uri="{FF2B5EF4-FFF2-40B4-BE49-F238E27FC236}">
+                <a16:creationId xmlns:a16="http://schemas.microsoft.com/office/drawing/2014/main" id="{A0B67BF4-29AF-4D53-B461-25912F609C1F}"/>
               </a:ext>
             </a:extLst>
           </p:cNvPr>
@@ -4585,8 +4585,8 @@
         </p:blipFill>
         <p:spPr>
           <a:xfrm>
-            <a:off x="6508256" y="1654334"/>
-            <a:ext cx="5475870" cy="1993891"/>
+            <a:off x="125651" y="2091792"/>
+            <a:ext cx="6207817" cy="3032409"/>
           </a:xfrm>
           <a:prstGeom prst="rect">
             <a:avLst/>
@@ -4957,10 +4957,10 @@
       </p:sp>
       <p:pic>
         <p:nvPicPr>
-          <p:cNvPr id="3" name="Picture 2">
-            <a:extLst>
-              <a:ext uri="{FF2B5EF4-FFF2-40B4-BE49-F238E27FC236}">
-                <a16:creationId xmlns:a16="http://schemas.microsoft.com/office/drawing/2014/main" id="{6141F2E7-FFC9-4B5B-B6EF-730417BBA5F4}"/>
+          <p:cNvPr id="7" name="Picture 6">
+            <a:extLst>
+              <a:ext uri="{FF2B5EF4-FFF2-40B4-BE49-F238E27FC236}">
+                <a16:creationId xmlns:a16="http://schemas.microsoft.com/office/drawing/2014/main" id="{DEE1F0CB-2C43-497B-B78F-80B0DF2102B1}"/>
               </a:ext>
             </a:extLst>
           </p:cNvPr>
@@ -4977,8 +4977,8 @@
         </p:blipFill>
         <p:spPr>
           <a:xfrm>
-            <a:off x="41945" y="1764743"/>
-            <a:ext cx="5940803" cy="2809839"/>
+            <a:off x="6201156" y="1701688"/>
+            <a:ext cx="5125329" cy="1889710"/>
           </a:xfrm>
           <a:prstGeom prst="rect">
             <a:avLst/>
@@ -4997,10 +4997,10 @@
       </p:pic>
       <p:pic>
         <p:nvPicPr>
-          <p:cNvPr id="7" name="Picture 6">
-            <a:extLst>
-              <a:ext uri="{FF2B5EF4-FFF2-40B4-BE49-F238E27FC236}">
-                <a16:creationId xmlns:a16="http://schemas.microsoft.com/office/drawing/2014/main" id="{DEE1F0CB-2C43-497B-B78F-80B0DF2102B1}"/>
+          <p:cNvPr id="6" name="Picture 5">
+            <a:extLst>
+              <a:ext uri="{FF2B5EF4-FFF2-40B4-BE49-F238E27FC236}">
+                <a16:creationId xmlns:a16="http://schemas.microsoft.com/office/drawing/2014/main" id="{99C87150-A343-4864-B2B2-3FAE254B8513}"/>
               </a:ext>
             </a:extLst>
           </p:cNvPr>
@@ -5017,8 +5017,8 @@
         </p:blipFill>
         <p:spPr>
           <a:xfrm>
-            <a:off x="6201156" y="1701688"/>
-            <a:ext cx="5125329" cy="1889710"/>
+            <a:off x="-28322" y="1944650"/>
+            <a:ext cx="6096000" cy="2968699"/>
           </a:xfrm>
           <a:prstGeom prst="rect">
             <a:avLst/>
